--- a/Class6/Tech314_6.pptx
+++ b/Class6/Tech314_6.pptx
@@ -302,7 +302,7 @@
           <a:p>
             <a:fld id="{4AAD347D-5ACD-4C99-B74B-A9C85AD731AF}" type="datetimeFigureOut">
               <a:rPr lang="en-US" dirty="0"/>
-              <a:t>11/4/2018</a:t>
+              <a:t>11/5/2018</a:t>
             </a:fld>
             <a:endParaRPr lang="en-US" dirty="0"/>
           </a:p>
@@ -572,7 +572,7 @@
           <a:p>
             <a:fld id="{4509A250-FF31-4206-8172-F9D3106AACB1}" type="datetimeFigureOut">
               <a:rPr lang="en-US" dirty="0"/>
-              <a:t>11/4/2018</a:t>
+              <a:t>11/5/2018</a:t>
             </a:fld>
             <a:endParaRPr lang="en-US" dirty="0"/>
           </a:p>
@@ -761,7 +761,7 @@
           <a:p>
             <a:fld id="{4509A250-FF31-4206-8172-F9D3106AACB1}" type="datetimeFigureOut">
               <a:rPr lang="en-US" dirty="0"/>
-              <a:t>11/4/2018</a:t>
+              <a:t>11/5/2018</a:t>
             </a:fld>
             <a:endParaRPr lang="en-US" dirty="0"/>
           </a:p>
@@ -1027,7 +1027,7 @@
           <a:p>
             <a:fld id="{4509A250-FF31-4206-8172-F9D3106AACB1}" type="datetimeFigureOut">
               <a:rPr lang="en-US" dirty="0"/>
-              <a:t>11/4/2018</a:t>
+              <a:t>11/5/2018</a:t>
             </a:fld>
             <a:endParaRPr lang="en-US" dirty="0"/>
           </a:p>
@@ -1349,7 +1349,7 @@
           <a:p>
             <a:fld id="{4509A250-FF31-4206-8172-F9D3106AACB1}" type="datetimeFigureOut">
               <a:rPr lang="en-US" dirty="0"/>
-              <a:t>11/4/2018</a:t>
+              <a:t>11/5/2018</a:t>
             </a:fld>
             <a:endParaRPr lang="en-US" dirty="0"/>
           </a:p>
@@ -1963,7 +1963,7 @@
           <a:p>
             <a:fld id="{4509A250-FF31-4206-8172-F9D3106AACB1}" type="datetimeFigureOut">
               <a:rPr lang="en-US" dirty="0"/>
-              <a:t>11/4/2018</a:t>
+              <a:t>11/5/2018</a:t>
             </a:fld>
             <a:endParaRPr lang="en-US" dirty="0"/>
           </a:p>
@@ -2805,7 +2805,7 @@
           <a:p>
             <a:fld id="{4509A250-FF31-4206-8172-F9D3106AACB1}" type="datetimeFigureOut">
               <a:rPr lang="en-US" dirty="0"/>
-              <a:t>11/4/2018</a:t>
+              <a:t>11/5/2018</a:t>
             </a:fld>
             <a:endParaRPr lang="en-US" dirty="0"/>
           </a:p>
@@ -2970,7 +2970,7 @@
           <a:p>
             <a:fld id="{4509A250-FF31-4206-8172-F9D3106AACB1}" type="datetimeFigureOut">
               <a:rPr lang="en-US" dirty="0"/>
-              <a:t>11/4/2018</a:t>
+              <a:t>11/5/2018</a:t>
             </a:fld>
             <a:endParaRPr lang="en-US" dirty="0"/>
           </a:p>
@@ -3145,7 +3145,7 @@
           <a:p>
             <a:fld id="{4509A250-FF31-4206-8172-F9D3106AACB1}" type="datetimeFigureOut">
               <a:rPr lang="en-US" dirty="0"/>
-              <a:t>11/4/2018</a:t>
+              <a:t>11/5/2018</a:t>
             </a:fld>
             <a:endParaRPr lang="en-US" dirty="0"/>
           </a:p>
@@ -3310,7 +3310,7 @@
           <a:p>
             <a:fld id="{9796027F-7875-4030-9381-8BD8C4F21935}" type="datetimeFigureOut">
               <a:rPr lang="en-US" dirty="0"/>
-              <a:t>11/4/2018</a:t>
+              <a:t>11/5/2018</a:t>
             </a:fld>
             <a:endParaRPr lang="en-US" dirty="0"/>
           </a:p>
@@ -3552,7 +3552,7 @@
           <a:p>
             <a:fld id="{9796027F-7875-4030-9381-8BD8C4F21935}" type="datetimeFigureOut">
               <a:rPr lang="en-US" dirty="0"/>
-              <a:t>11/4/2018</a:t>
+              <a:t>11/5/2018</a:t>
             </a:fld>
             <a:endParaRPr lang="en-US" dirty="0"/>
           </a:p>
@@ -3839,7 +3839,7 @@
           <a:p>
             <a:fld id="{9796027F-7875-4030-9381-8BD8C4F21935}" type="datetimeFigureOut">
               <a:rPr lang="en-US" dirty="0"/>
-              <a:t>11/4/2018</a:t>
+              <a:t>11/5/2018</a:t>
             </a:fld>
             <a:endParaRPr lang="en-US" dirty="0"/>
           </a:p>
@@ -4278,7 +4278,7 @@
           <a:p>
             <a:fld id="{9796027F-7875-4030-9381-8BD8C4F21935}" type="datetimeFigureOut">
               <a:rPr lang="en-US" dirty="0"/>
-              <a:t>11/4/2018</a:t>
+              <a:t>11/5/2018</a:t>
             </a:fld>
             <a:endParaRPr lang="en-US" dirty="0"/>
           </a:p>
@@ -4391,7 +4391,7 @@
           <a:p>
             <a:fld id="{4509A250-FF31-4206-8172-F9D3106AACB1}" type="datetimeFigureOut">
               <a:rPr lang="en-US" dirty="0"/>
-              <a:t>11/4/2018</a:t>
+              <a:t>11/5/2018</a:t>
             </a:fld>
             <a:endParaRPr lang="en-US" dirty="0"/>
           </a:p>
@@ -4481,7 +4481,7 @@
           <a:p>
             <a:fld id="{4509A250-FF31-4206-8172-F9D3106AACB1}" type="datetimeFigureOut">
               <a:rPr lang="en-US" dirty="0"/>
-              <a:t>11/4/2018</a:t>
+              <a:t>11/5/2018</a:t>
             </a:fld>
             <a:endParaRPr lang="en-US" dirty="0"/>
           </a:p>
@@ -4755,7 +4755,7 @@
           <a:p>
             <a:fld id="{4509A250-FF31-4206-8172-F9D3106AACB1}" type="datetimeFigureOut">
               <a:rPr lang="en-US" dirty="0"/>
-              <a:t>11/4/2018</a:t>
+              <a:t>11/5/2018</a:t>
             </a:fld>
             <a:endParaRPr lang="en-US" dirty="0"/>
           </a:p>
@@ -5025,7 +5025,7 @@
           <a:p>
             <a:fld id="{4509A250-FF31-4206-8172-F9D3106AACB1}" type="datetimeFigureOut">
               <a:rPr lang="en-US" dirty="0"/>
-              <a:t>11/4/2018</a:t>
+              <a:t>11/5/2018</a:t>
             </a:fld>
             <a:endParaRPr lang="en-US" dirty="0"/>
           </a:p>
@@ -5443,7 +5443,7 @@
           <a:p>
             <a:fld id="{4AAD347D-5ACD-4C99-B74B-A9C85AD731AF}" type="datetimeFigureOut">
               <a:rPr lang="en-US" dirty="0"/>
-              <a:t>11/4/2018</a:t>
+              <a:t>11/5/2018</a:t>
             </a:fld>
             <a:endParaRPr lang="en-US" dirty="0"/>
           </a:p>
@@ -6202,31 +6202,35 @@
           </a:p>
         </p:txBody>
       </p:sp>
-      <p:sp>
-        <p:nvSpPr>
-          <p:cNvPr id="3" name="Content Placeholder 2">
+      <p:pic>
+        <p:nvPicPr>
+          <p:cNvPr id="5" name="Content Placeholder 4">
             <a:extLst>
               <a:ext uri="{FF2B5EF4-FFF2-40B4-BE49-F238E27FC236}">
-                <a16:creationId xmlns:a16="http://schemas.microsoft.com/office/drawing/2014/main" id="{0B570509-042A-4DD3-B3C9-67D9C909C3B9}"/>
+                <a16:creationId xmlns:a16="http://schemas.microsoft.com/office/drawing/2014/main" id="{D7EE5CB9-EEF6-439E-99A2-1C6829558FAB}"/>
               </a:ext>
             </a:extLst>
           </p:cNvPr>
-          <p:cNvSpPr>
-            <a:spLocks noGrp="1"/>
-          </p:cNvSpPr>
+          <p:cNvPicPr>
+            <a:picLocks noGrp="1" noChangeAspect="1"/>
+          </p:cNvPicPr>
           <p:nvPr>
             <p:ph idx="1"/>
           </p:nvPr>
-        </p:nvSpPr>
-        <p:spPr/>
-        <p:txBody>
-          <a:bodyPr/>
-          <a:lstStyle/>
-          <a:p>
-            <a:endParaRPr lang="en-US"/>
-          </a:p>
-        </p:txBody>
-      </p:sp>
+        </p:nvPicPr>
+        <p:blipFill>
+          <a:blip r:embed="rId2"/>
+          <a:stretch>
+            <a:fillRect/>
+          </a:stretch>
+        </p:blipFill>
+        <p:spPr>
+          <a:xfrm>
+            <a:off x="4396830" y="2052638"/>
+            <a:ext cx="2360116" cy="4195762"/>
+          </a:xfrm>
+        </p:spPr>
+      </p:pic>
     </p:spTree>
     <p:extLst>
       <p:ext uri="{BB962C8B-B14F-4D97-AF65-F5344CB8AC3E}">
@@ -6308,7 +6312,19 @@
           <a:p>
             <a:r>
               <a:rPr lang="en-US" dirty="0"/>
-              <a:t>react-native-email</a:t>
+              <a:t>react-native-mail</a:t>
+            </a:r>
+          </a:p>
+          <a:p>
+            <a:r>
+              <a:rPr lang="en-US" dirty="0"/>
+              <a:t>react-native-fs</a:t>
+            </a:r>
+          </a:p>
+          <a:p>
+            <a:r>
+              <a:rPr lang="en-US" dirty="0"/>
+              <a:t>Navigation props</a:t>
             </a:r>
           </a:p>
         </p:txBody>
